--- a/Submission02/Submission02.pptx
+++ b/Submission02/Submission02.pptx
@@ -29,18 +29,11 @@
       <p:boldItalic r:id="rId18"/>
     </p:embeddedFont>
     <p:embeddedFont>
-      <p:font typeface="Ubuntu Medium"/>
+      <p:font typeface="Exo 2"/>
       <p:regular r:id="rId19"/>
       <p:bold r:id="rId20"/>
       <p:italic r:id="rId21"/>
       <p:boldItalic r:id="rId22"/>
-    </p:embeddedFont>
-    <p:embeddedFont>
-      <p:font typeface="Exo 2"/>
-      <p:regular r:id="rId23"/>
-      <p:bold r:id="rId24"/>
-      <p:italic r:id="rId25"/>
-      <p:boldItalic r:id="rId26"/>
     </p:embeddedFont>
   </p:embeddedFontLst>
   <p:defaultTextStyle>
@@ -920,7 +913,7 @@
   <p:cSld>
     <p:spTree>
       <p:nvGrpSpPr>
-        <p:cNvPr id="106" name="Shape 106"/>
+        <p:cNvPr id="105" name="Shape 105"/>
         <p:cNvGrpSpPr/>
         <p:nvPr/>
       </p:nvGrpSpPr>
@@ -934,7 +927,7 @@
       </p:grpSpPr>
       <p:sp>
         <p:nvSpPr>
-          <p:cNvPr id="107" name="Google Shape;107;g25a510b9998_2_280:notes"/>
+          <p:cNvPr id="106" name="Google Shape;106;g25a510b9998_2_280:notes"/>
           <p:cNvSpPr txBox="1"/>
           <p:nvPr>
             <p:ph idx="1" type="body"/>
@@ -981,7 +974,7 @@
       </p:sp>
       <p:sp>
         <p:nvSpPr>
-          <p:cNvPr id="108" name="Google Shape;108;g25a510b9998_2_280:notes"/>
+          <p:cNvPr id="107" name="Google Shape;107;g25a510b9998_2_280:notes"/>
           <p:cNvSpPr/>
           <p:nvPr>
             <p:ph idx="2" type="sldImg"/>
@@ -1037,7 +1030,7 @@
   <p:cSld>
     <p:spTree>
       <p:nvGrpSpPr>
-        <p:cNvPr id="115" name="Shape 115"/>
+        <p:cNvPr id="114" name="Shape 114"/>
         <p:cNvGrpSpPr/>
         <p:nvPr/>
       </p:nvGrpSpPr>
@@ -1051,7 +1044,7 @@
       </p:grpSpPr>
       <p:sp>
         <p:nvSpPr>
-          <p:cNvPr id="116" name="Google Shape;116;g25a510b9998_2_316:notes"/>
+          <p:cNvPr id="115" name="Google Shape;115;g25a510b9998_2_316:notes"/>
           <p:cNvSpPr/>
           <p:nvPr>
             <p:ph idx="2" type="sldImg"/>
@@ -1096,7 +1089,7 @@
       </p:sp>
       <p:sp>
         <p:nvSpPr>
-          <p:cNvPr id="117" name="Google Shape;117;g25a510b9998_2_316:notes"/>
+          <p:cNvPr id="116" name="Google Shape;116;g25a510b9998_2_316:notes"/>
           <p:cNvSpPr txBox="1"/>
           <p:nvPr>
             <p:ph idx="1" type="body"/>
@@ -1154,7 +1147,7 @@
   <p:cSld>
     <p:spTree>
       <p:nvGrpSpPr>
-        <p:cNvPr id="124" name="Shape 124"/>
+        <p:cNvPr id="123" name="Shape 123"/>
         <p:cNvGrpSpPr/>
         <p:nvPr/>
       </p:nvGrpSpPr>
@@ -1168,7 +1161,7 @@
       </p:grpSpPr>
       <p:sp>
         <p:nvSpPr>
-          <p:cNvPr id="125" name="Google Shape;125;g25a510b9998_2_339:notes"/>
+          <p:cNvPr id="124" name="Google Shape;124;g25a510b9998_2_339:notes"/>
           <p:cNvSpPr/>
           <p:nvPr>
             <p:ph idx="2" type="sldImg"/>
@@ -1213,7 +1206,7 @@
       </p:sp>
       <p:sp>
         <p:nvSpPr>
-          <p:cNvPr id="126" name="Google Shape;126;g25a510b9998_2_339:notes"/>
+          <p:cNvPr id="125" name="Google Shape;125;g25a510b9998_2_339:notes"/>
           <p:cNvSpPr txBox="1"/>
           <p:nvPr>
             <p:ph idx="1" type="body"/>
@@ -1271,7 +1264,7 @@
   <p:cSld>
     <p:spTree>
       <p:nvGrpSpPr>
-        <p:cNvPr id="133" name="Shape 133"/>
+        <p:cNvPr id="132" name="Shape 132"/>
         <p:cNvGrpSpPr/>
         <p:nvPr/>
       </p:nvGrpSpPr>
@@ -1285,7 +1278,7 @@
       </p:grpSpPr>
       <p:sp>
         <p:nvSpPr>
-          <p:cNvPr id="134" name="Google Shape;134;g25a510b9998_2_371:notes"/>
+          <p:cNvPr id="133" name="Google Shape;133;g25a510b9998_2_371:notes"/>
           <p:cNvSpPr txBox="1"/>
           <p:nvPr>
             <p:ph idx="1" type="body"/>
@@ -1336,7 +1329,7 @@
       </p:sp>
       <p:sp>
         <p:nvSpPr>
-          <p:cNvPr id="135" name="Google Shape;135;g25a510b9998_2_371:notes"/>
+          <p:cNvPr id="134" name="Google Shape;134;g25a510b9998_2_371:notes"/>
           <p:cNvSpPr/>
           <p:nvPr>
             <p:ph idx="2" type="sldImg"/>
@@ -1392,7 +1385,7 @@
   <p:cSld>
     <p:spTree>
       <p:nvGrpSpPr>
-        <p:cNvPr id="143" name="Shape 143"/>
+        <p:cNvPr id="142" name="Shape 142"/>
         <p:cNvGrpSpPr/>
         <p:nvPr/>
       </p:nvGrpSpPr>
@@ -1406,7 +1399,7 @@
       </p:grpSpPr>
       <p:sp>
         <p:nvSpPr>
-          <p:cNvPr id="144" name="Google Shape;144;g2936bd59cb4_0_67:notes"/>
+          <p:cNvPr id="143" name="Google Shape;143;g2936bd59cb4_0_67:notes"/>
           <p:cNvSpPr txBox="1"/>
           <p:nvPr>
             <p:ph idx="1" type="body"/>
@@ -1457,7 +1450,7 @@
       </p:sp>
       <p:sp>
         <p:nvSpPr>
-          <p:cNvPr id="145" name="Google Shape;145;g2936bd59cb4_0_67:notes"/>
+          <p:cNvPr id="144" name="Google Shape;144;g2936bd59cb4_0_67:notes"/>
           <p:cNvSpPr/>
           <p:nvPr>
             <p:ph idx="2" type="sldImg"/>
@@ -1513,7 +1506,7 @@
   <p:cSld>
     <p:spTree>
       <p:nvGrpSpPr>
-        <p:cNvPr id="151" name="Shape 151"/>
+        <p:cNvPr id="150" name="Shape 150"/>
         <p:cNvGrpSpPr/>
         <p:nvPr/>
       </p:nvGrpSpPr>
@@ -1527,7 +1520,7 @@
       </p:grpSpPr>
       <p:sp>
         <p:nvSpPr>
-          <p:cNvPr id="152" name="Google Shape;152;g2936bd59cb4_0_35:notes"/>
+          <p:cNvPr id="151" name="Google Shape;151;g2936bd59cb4_0_35:notes"/>
           <p:cNvSpPr/>
           <p:nvPr>
             <p:ph idx="2" type="sldImg"/>
@@ -1562,7 +1555,7 @@
       </p:sp>
       <p:sp>
         <p:nvSpPr>
-          <p:cNvPr id="153" name="Google Shape;153;g2936bd59cb4_0_35:notes"/>
+          <p:cNvPr id="152" name="Google Shape;152;g2936bd59cb4_0_35:notes"/>
           <p:cNvSpPr txBox="1"/>
           <p:nvPr>
             <p:ph idx="1" type="body"/>
@@ -13605,8 +13598,8 @@
         </p:nvSpPr>
         <p:spPr>
           <a:xfrm>
-            <a:off x="1072950" y="599475"/>
-            <a:ext cx="6998100" cy="646500"/>
+            <a:off x="715950" y="599475"/>
+            <a:ext cx="7712100" cy="1569900"/>
           </a:xfrm>
           <a:prstGeom prst="rect">
             <a:avLst/>
@@ -13641,7 +13634,7 @@
                 <a:cs typeface="Ubuntu"/>
                 <a:sym typeface="Ubuntu"/>
               </a:rPr>
-              <a:t>Bangla Natural Language Processing</a:t>
+              <a:t>Identifying the Writing Style of Bangla Language Using Natural Language Processing</a:t>
             </a:r>
             <a:endParaRPr b="1" sz="3000">
               <a:solidFill>
@@ -13663,63 +13656,8 @@
         </p:nvSpPr>
         <p:spPr>
           <a:xfrm>
-            <a:off x="1056300" y="1373000"/>
-            <a:ext cx="7031400" cy="831300"/>
-          </a:xfrm>
-          <a:prstGeom prst="rect">
-            <a:avLst/>
-          </a:prstGeom>
-          <a:noFill/>
-          <a:ln>
-            <a:noFill/>
-          </a:ln>
-        </p:spPr>
-        <p:txBody>
-          <a:bodyPr anchorCtr="0" anchor="t" bIns="91425" lIns="91425" spcFirstLastPara="1" rIns="91425" wrap="square" tIns="91425">
-            <a:spAutoFit/>
-          </a:bodyPr>
-          <a:lstStyle/>
-          <a:p>
-            <a:pPr indent="0" lvl="0" marL="0" rtl="0" algn="ctr">
-              <a:spcBef>
-                <a:spcPts val="0"/>
-              </a:spcBef>
-              <a:spcAft>
-                <a:spcPts val="0"/>
-              </a:spcAft>
-              <a:buNone/>
-            </a:pPr>
-            <a:r>
-              <a:rPr lang="en" sz="2100">
-                <a:solidFill>
-                  <a:schemeClr val="dk1"/>
-                </a:solidFill>
-                <a:latin typeface="Ubuntu Medium"/>
-                <a:ea typeface="Ubuntu Medium"/>
-                <a:cs typeface="Ubuntu Medium"/>
-                <a:sym typeface="Ubuntu Medium"/>
-              </a:rPr>
-              <a:t>A Comprehensive Analysis of Classical, Machine Learning, and Deep Learning-Based Methods</a:t>
-            </a:r>
-            <a:endParaRPr sz="2100">
-              <a:latin typeface="Ubuntu Medium"/>
-              <a:ea typeface="Ubuntu Medium"/>
-              <a:cs typeface="Ubuntu Medium"/>
-              <a:sym typeface="Ubuntu Medium"/>
-            </a:endParaRPr>
-          </a:p>
-        </p:txBody>
-      </p:sp>
-      <p:sp>
-        <p:nvSpPr>
-          <p:cNvPr id="104" name="Google Shape;104;p25"/>
-          <p:cNvSpPr txBox="1"/>
-          <p:nvPr/>
-        </p:nvSpPr>
-        <p:spPr>
-          <a:xfrm>
             <a:off x="834900" y="2571750"/>
-            <a:ext cx="7474200" cy="1251600"/>
+            <a:ext cx="7474200" cy="1503300"/>
           </a:xfrm>
           <a:prstGeom prst="rect">
             <a:avLst/>
@@ -13805,7 +13743,7 @@
                 <a:cs typeface="Ubuntu"/>
                 <a:sym typeface="Ubuntu"/>
               </a:rPr>
-              <a:t>O. Sen et al., "Bangla Natural Language Processing: A Comprehensive Analysis of Classical, Machine Learning, and Deep Learning-Based Methods," in IEEE Access, vol. 10, pp. 38999-39044, 2022, doi: 10.1109/ACCESS.2022.3165563.</a:t>
+              <a:t>S. F. Shetu, M. Saifuzzaman, M. Parvin, N. N. Moon, R. Yousuf and S. Sultana, "Identifying the Writing Style of Bangla Language Using Natural Language Processing," 2020 11th International Conference on Computing, Communication and Networking Technologies (ICCCNT), Kharagpur, India, 2020, pp. 1-6, doi: 10.1109/ICCCNT49239.2020.9225670.</a:t>
             </a:r>
             <a:endParaRPr>
               <a:latin typeface="Ubuntu"/>
@@ -13818,7 +13756,7 @@
       </p:sp>
       <p:pic>
         <p:nvPicPr>
-          <p:cNvPr id="105" name="Google Shape;105;p25"/>
+          <p:cNvPr id="104" name="Google Shape;104;p25"/>
           <p:cNvPicPr preferRelativeResize="0"/>
           <p:nvPr/>
         </p:nvPicPr>
@@ -13857,7 +13795,7 @@
   <p:cSld>
     <p:spTree>
       <p:nvGrpSpPr>
-        <p:cNvPr id="109" name="Shape 109"/>
+        <p:cNvPr id="108" name="Shape 108"/>
         <p:cNvGrpSpPr/>
         <p:nvPr/>
       </p:nvGrpSpPr>
@@ -13871,7 +13809,7 @@
       </p:grpSpPr>
       <p:cxnSp>
         <p:nvCxnSpPr>
-          <p:cNvPr id="110" name="Google Shape;110;p26"/>
+          <p:cNvPr id="109" name="Google Shape;109;p26"/>
           <p:cNvCxnSpPr/>
           <p:nvPr/>
         </p:nvCxnSpPr>
@@ -13897,7 +13835,7 @@
       </p:cxnSp>
       <p:sp>
         <p:nvSpPr>
-          <p:cNvPr id="111" name="Google Shape;111;p26"/>
+          <p:cNvPr id="110" name="Google Shape;110;p26"/>
           <p:cNvSpPr txBox="1"/>
           <p:nvPr/>
         </p:nvSpPr>
@@ -13960,7 +13898,7 @@
       </p:sp>
       <p:pic>
         <p:nvPicPr>
-          <p:cNvPr descr="Research with solid fill" id="112" name="Google Shape;112;p26"/>
+          <p:cNvPr descr="Research with solid fill" id="111" name="Google Shape;111;p26"/>
           <p:cNvPicPr preferRelativeResize="0"/>
           <p:nvPr/>
         </p:nvPicPr>
@@ -13987,7 +13925,7 @@
       </p:pic>
       <p:pic>
         <p:nvPicPr>
-          <p:cNvPr id="113" name="Google Shape;113;p26"/>
+          <p:cNvPr id="112" name="Google Shape;112;p26"/>
           <p:cNvPicPr preferRelativeResize="0"/>
           <p:nvPr/>
         </p:nvPicPr>
@@ -14015,7 +13953,7 @@
       </p:pic>
       <p:sp>
         <p:nvSpPr>
-          <p:cNvPr id="114" name="Google Shape;114;p26"/>
+          <p:cNvPr id="113" name="Google Shape;113;p26"/>
           <p:cNvSpPr txBox="1"/>
           <p:nvPr/>
         </p:nvSpPr>
@@ -14209,7 +14147,7 @@
   <p:cSld>
     <p:spTree>
       <p:nvGrpSpPr>
-        <p:cNvPr id="118" name="Shape 118"/>
+        <p:cNvPr id="117" name="Shape 117"/>
         <p:cNvGrpSpPr/>
         <p:nvPr/>
       </p:nvGrpSpPr>
@@ -14223,7 +14161,7 @@
       </p:grpSpPr>
       <p:sp>
         <p:nvSpPr>
-          <p:cNvPr id="119" name="Google Shape;119;p27"/>
+          <p:cNvPr id="118" name="Google Shape;118;p27"/>
           <p:cNvSpPr txBox="1"/>
           <p:nvPr/>
         </p:nvSpPr>
@@ -14286,7 +14224,7 @@
       </p:sp>
       <p:pic>
         <p:nvPicPr>
-          <p:cNvPr id="120" name="Google Shape;120;p27"/>
+          <p:cNvPr id="119" name="Google Shape;119;p27"/>
           <p:cNvPicPr preferRelativeResize="0"/>
           <p:nvPr/>
         </p:nvPicPr>
@@ -14313,7 +14251,7 @@
       </p:pic>
       <p:cxnSp>
         <p:nvCxnSpPr>
-          <p:cNvPr id="121" name="Google Shape;121;p27"/>
+          <p:cNvPr id="120" name="Google Shape;120;p27"/>
           <p:cNvCxnSpPr/>
           <p:nvPr/>
         </p:nvCxnSpPr>
@@ -14339,7 +14277,7 @@
       </p:cxnSp>
       <p:pic>
         <p:nvPicPr>
-          <p:cNvPr id="122" name="Google Shape;122;p27"/>
+          <p:cNvPr id="121" name="Google Shape;121;p27"/>
           <p:cNvPicPr preferRelativeResize="0"/>
           <p:nvPr/>
         </p:nvPicPr>
@@ -14367,7 +14305,7 @@
       </p:pic>
       <p:sp>
         <p:nvSpPr>
-          <p:cNvPr id="123" name="Google Shape;123;p27"/>
+          <p:cNvPr id="122" name="Google Shape;122;p27"/>
           <p:cNvSpPr txBox="1"/>
           <p:nvPr/>
         </p:nvSpPr>
@@ -14561,7 +14499,7 @@
   <p:cSld>
     <p:spTree>
       <p:nvGrpSpPr>
-        <p:cNvPr id="127" name="Shape 127"/>
+        <p:cNvPr id="126" name="Shape 126"/>
         <p:cNvGrpSpPr/>
         <p:nvPr/>
       </p:nvGrpSpPr>
@@ -14575,7 +14513,7 @@
       </p:grpSpPr>
       <p:sp>
         <p:nvSpPr>
-          <p:cNvPr id="128" name="Google Shape;128;p28"/>
+          <p:cNvPr id="127" name="Google Shape;127;p28"/>
           <p:cNvSpPr txBox="1"/>
           <p:nvPr/>
         </p:nvSpPr>
@@ -14638,7 +14576,7 @@
       </p:sp>
       <p:pic>
         <p:nvPicPr>
-          <p:cNvPr id="129" name="Google Shape;129;p28"/>
+          <p:cNvPr id="128" name="Google Shape;128;p28"/>
           <p:cNvPicPr preferRelativeResize="0"/>
           <p:nvPr/>
         </p:nvPicPr>
@@ -14665,7 +14603,7 @@
       </p:pic>
       <p:cxnSp>
         <p:nvCxnSpPr>
-          <p:cNvPr id="130" name="Google Shape;130;p28"/>
+          <p:cNvPr id="129" name="Google Shape;129;p28"/>
           <p:cNvCxnSpPr/>
           <p:nvPr/>
         </p:nvCxnSpPr>
@@ -14691,7 +14629,7 @@
       </p:cxnSp>
       <p:pic>
         <p:nvPicPr>
-          <p:cNvPr id="131" name="Google Shape;131;p28"/>
+          <p:cNvPr id="130" name="Google Shape;130;p28"/>
           <p:cNvPicPr preferRelativeResize="0"/>
           <p:nvPr/>
         </p:nvPicPr>
@@ -14719,7 +14657,7 @@
       </p:pic>
       <p:sp>
         <p:nvSpPr>
-          <p:cNvPr id="132" name="Google Shape;132;p28"/>
+          <p:cNvPr id="131" name="Google Shape;131;p28"/>
           <p:cNvSpPr txBox="1"/>
           <p:nvPr/>
         </p:nvSpPr>
@@ -14913,7 +14851,7 @@
   <p:cSld>
     <p:spTree>
       <p:nvGrpSpPr>
-        <p:cNvPr id="136" name="Shape 136"/>
+        <p:cNvPr id="135" name="Shape 135"/>
         <p:cNvGrpSpPr/>
         <p:nvPr/>
       </p:nvGrpSpPr>
@@ -14927,7 +14865,7 @@
       </p:grpSpPr>
       <p:cxnSp>
         <p:nvCxnSpPr>
-          <p:cNvPr id="137" name="Google Shape;137;p29"/>
+          <p:cNvPr id="136" name="Google Shape;136;p29"/>
           <p:cNvCxnSpPr/>
           <p:nvPr/>
         </p:nvCxnSpPr>
@@ -14953,7 +14891,7 @@
       </p:cxnSp>
       <p:sp>
         <p:nvSpPr>
-          <p:cNvPr id="138" name="Google Shape;138;p29"/>
+          <p:cNvPr id="137" name="Google Shape;137;p29"/>
           <p:cNvSpPr txBox="1"/>
           <p:nvPr/>
         </p:nvSpPr>
@@ -15028,7 +14966,7 @@
       </p:sp>
       <p:pic>
         <p:nvPicPr>
-          <p:cNvPr descr="Research with solid fill" id="139" name="Google Shape;139;p29"/>
+          <p:cNvPr descr="Research with solid fill" id="138" name="Google Shape;138;p29"/>
           <p:cNvPicPr preferRelativeResize="0"/>
           <p:nvPr/>
         </p:nvPicPr>
@@ -15055,7 +14993,7 @@
       </p:pic>
       <p:pic>
         <p:nvPicPr>
-          <p:cNvPr id="140" name="Google Shape;140;p29"/>
+          <p:cNvPr id="139" name="Google Shape;139;p29"/>
           <p:cNvPicPr preferRelativeResize="0"/>
           <p:nvPr/>
         </p:nvPicPr>
@@ -15083,7 +15021,7 @@
       </p:pic>
       <p:sp>
         <p:nvSpPr>
-          <p:cNvPr id="141" name="Google Shape;141;p29"/>
+          <p:cNvPr id="140" name="Google Shape;140;p29"/>
           <p:cNvSpPr txBox="1"/>
           <p:nvPr/>
         </p:nvSpPr>
@@ -15239,7 +15177,7 @@
       </p:sp>
       <p:pic>
         <p:nvPicPr>
-          <p:cNvPr id="142" name="Google Shape;142;p29"/>
+          <p:cNvPr id="141" name="Google Shape;141;p29"/>
           <p:cNvPicPr preferRelativeResize="0"/>
           <p:nvPr/>
         </p:nvPicPr>
@@ -15278,7 +15216,7 @@
   <p:cSld>
     <p:spTree>
       <p:nvGrpSpPr>
-        <p:cNvPr id="146" name="Shape 146"/>
+        <p:cNvPr id="145" name="Shape 145"/>
         <p:cNvGrpSpPr/>
         <p:nvPr/>
       </p:nvGrpSpPr>
@@ -15292,7 +15230,7 @@
       </p:grpSpPr>
       <p:cxnSp>
         <p:nvCxnSpPr>
-          <p:cNvPr id="147" name="Google Shape;147;p30"/>
+          <p:cNvPr id="146" name="Google Shape;146;p30"/>
           <p:cNvCxnSpPr/>
           <p:nvPr/>
         </p:nvCxnSpPr>
@@ -15318,7 +15256,7 @@
       </p:cxnSp>
       <p:sp>
         <p:nvSpPr>
-          <p:cNvPr id="148" name="Google Shape;148;p30"/>
+          <p:cNvPr id="147" name="Google Shape;147;p30"/>
           <p:cNvSpPr txBox="1"/>
           <p:nvPr/>
         </p:nvSpPr>
@@ -15381,7 +15319,7 @@
       </p:sp>
       <p:pic>
         <p:nvPicPr>
-          <p:cNvPr id="149" name="Google Shape;149;p30"/>
+          <p:cNvPr id="148" name="Google Shape;148;p30"/>
           <p:cNvPicPr preferRelativeResize="0"/>
           <p:nvPr/>
         </p:nvPicPr>
@@ -15409,7 +15347,7 @@
       </p:pic>
       <p:sp>
         <p:nvSpPr>
-          <p:cNvPr id="150" name="Google Shape;150;p30"/>
+          <p:cNvPr id="149" name="Google Shape;149;p30"/>
           <p:cNvSpPr txBox="1"/>
           <p:nvPr/>
         </p:nvSpPr>
@@ -15618,7 +15556,7 @@
   <p:cSld>
     <p:spTree>
       <p:nvGrpSpPr>
-        <p:cNvPr id="154" name="Shape 154"/>
+        <p:cNvPr id="153" name="Shape 153"/>
         <p:cNvGrpSpPr/>
         <p:nvPr/>
       </p:nvGrpSpPr>
@@ -15632,7 +15570,7 @@
       </p:grpSpPr>
       <p:sp>
         <p:nvSpPr>
-          <p:cNvPr id="155" name="Google Shape;155;p31"/>
+          <p:cNvPr id="154" name="Google Shape;154;p31"/>
           <p:cNvSpPr txBox="1"/>
           <p:nvPr>
             <p:ph idx="1" type="body"/>
